--- a/NeuroDOT Beta Quick Start Guide.pptx
+++ b/NeuroDOT Beta Quick Start Guide.pptx
@@ -217,7 +217,7 @@
           <a:p>
             <a:fld id="{59435505-D4AB-4F36-857A-9B945E75E4E8}" type="datetimeFigureOut">
               <a:rPr lang="en-US" smtClean="0"/>
-              <a:t>7/23/2018</a:t>
+              <a:t>10/2/2018</a:t>
             </a:fld>
             <a:endParaRPr lang="en-US"/>
           </a:p>
@@ -1209,7 +1209,7 @@
           <a:p>
             <a:fld id="{9A27A8A0-7E57-4448-B01C-EFDBF93D0A36}" type="datetimeFigureOut">
               <a:rPr lang="en-US" smtClean="0"/>
-              <a:t>7/23/2018</a:t>
+              <a:t>10/2/2018</a:t>
             </a:fld>
             <a:endParaRPr lang="en-US"/>
           </a:p>
@@ -1271,7 +1271,7 @@
 </file>
 
 <file path=ppt/slideLayouts/slideLayout10.xml><?xml version="1.0" encoding="utf-8"?>
-<p:sldLayout xmlns:a="http://schemas.openxmlformats.org/drawingml/2006/main" xmlns:r="http://schemas.openxmlformats.org/officeDocument/2006/relationships" xmlns:p="http://schemas.openxmlformats.org/presentationml/2006/main" preserve="1">
+<p:sldLayout xmlns:a="http://schemas.openxmlformats.org/drawingml/2006/main" xmlns:r="http://schemas.openxmlformats.org/officeDocument/2006/relationships" xmlns:p="http://schemas.openxmlformats.org/presentationml/2006/main" showMasterSp="0" preserve="1">
   <p:cSld name="Title and Caption">
     <p:spTree>
       <p:nvGrpSpPr>
@@ -1460,7 +1460,7 @@
           <a:p>
             <a:fld id="{9A27A8A0-7E57-4448-B01C-EFDBF93D0A36}" type="datetimeFigureOut">
               <a:rPr lang="en-US" smtClean="0"/>
-              <a:t>7/23/2018</a:t>
+              <a:t>10/2/2018</a:t>
             </a:fld>
             <a:endParaRPr lang="en-US"/>
           </a:p>
@@ -1522,7 +1522,7 @@
 </file>
 
 <file path=ppt/slideLayouts/slideLayout11.xml><?xml version="1.0" encoding="utf-8"?>
-<p:sldLayout xmlns:a="http://schemas.openxmlformats.org/drawingml/2006/main" xmlns:r="http://schemas.openxmlformats.org/officeDocument/2006/relationships" xmlns:p="http://schemas.openxmlformats.org/presentationml/2006/main" preserve="1">
+<p:sldLayout xmlns:a="http://schemas.openxmlformats.org/drawingml/2006/main" xmlns:r="http://schemas.openxmlformats.org/officeDocument/2006/relationships" xmlns:p="http://schemas.openxmlformats.org/presentationml/2006/main" showMasterSp="0" preserve="1">
   <p:cSld name="Quote with Caption">
     <p:spTree>
       <p:nvGrpSpPr>
@@ -1774,7 +1774,7 @@
           <a:p>
             <a:fld id="{9A27A8A0-7E57-4448-B01C-EFDBF93D0A36}" type="datetimeFigureOut">
               <a:rPr lang="en-US" smtClean="0"/>
-              <a:t>7/23/2018</a:t>
+              <a:t>10/2/2018</a:t>
             </a:fld>
             <a:endParaRPr lang="en-US"/>
           </a:p>
@@ -1912,7 +1912,7 @@
 </file>
 
 <file path=ppt/slideLayouts/slideLayout12.xml><?xml version="1.0" encoding="utf-8"?>
-<p:sldLayout xmlns:a="http://schemas.openxmlformats.org/drawingml/2006/main" xmlns:r="http://schemas.openxmlformats.org/officeDocument/2006/relationships" xmlns:p="http://schemas.openxmlformats.org/presentationml/2006/main" preserve="1">
+<p:sldLayout xmlns:a="http://schemas.openxmlformats.org/drawingml/2006/main" xmlns:r="http://schemas.openxmlformats.org/officeDocument/2006/relationships" xmlns:p="http://schemas.openxmlformats.org/presentationml/2006/main" showMasterSp="0" preserve="1">
   <p:cSld name="Name Card">
     <p:spTree>
       <p:nvGrpSpPr>
@@ -2101,7 +2101,7 @@
           <a:p>
             <a:fld id="{9A27A8A0-7E57-4448-B01C-EFDBF93D0A36}" type="datetimeFigureOut">
               <a:rPr lang="en-US" smtClean="0"/>
-              <a:t>7/23/2018</a:t>
+              <a:t>10/2/2018</a:t>
             </a:fld>
             <a:endParaRPr lang="en-US"/>
           </a:p>
@@ -2163,7 +2163,7 @@
 </file>
 
 <file path=ppt/slideLayouts/slideLayout13.xml><?xml version="1.0" encoding="utf-8"?>
-<p:sldLayout xmlns:a="http://schemas.openxmlformats.org/drawingml/2006/main" xmlns:r="http://schemas.openxmlformats.org/officeDocument/2006/relationships" xmlns:p="http://schemas.openxmlformats.org/presentationml/2006/main" preserve="1">
+<p:sldLayout xmlns:a="http://schemas.openxmlformats.org/drawingml/2006/main" xmlns:r="http://schemas.openxmlformats.org/officeDocument/2006/relationships" xmlns:p="http://schemas.openxmlformats.org/presentationml/2006/main" showMasterSp="0" preserve="1">
   <p:cSld name="Quote Name Card">
     <p:spTree>
       <p:nvGrpSpPr>
@@ -2415,7 +2415,7 @@
           <a:p>
             <a:fld id="{9A27A8A0-7E57-4448-B01C-EFDBF93D0A36}" type="datetimeFigureOut">
               <a:rPr lang="en-US" smtClean="0"/>
-              <a:t>7/23/2018</a:t>
+              <a:t>10/2/2018</a:t>
             </a:fld>
             <a:endParaRPr lang="en-US"/>
           </a:p>
@@ -2553,7 +2553,7 @@
 </file>
 
 <file path=ppt/slideLayouts/slideLayout14.xml><?xml version="1.0" encoding="utf-8"?>
-<p:sldLayout xmlns:a="http://schemas.openxmlformats.org/drawingml/2006/main" xmlns:r="http://schemas.openxmlformats.org/officeDocument/2006/relationships" xmlns:p="http://schemas.openxmlformats.org/presentationml/2006/main" preserve="1">
+<p:sldLayout xmlns:a="http://schemas.openxmlformats.org/drawingml/2006/main" xmlns:r="http://schemas.openxmlformats.org/officeDocument/2006/relationships" xmlns:p="http://schemas.openxmlformats.org/presentationml/2006/main" showMasterSp="0" preserve="1">
   <p:cSld name="True or False">
     <p:spTree>
       <p:nvGrpSpPr>
@@ -2802,7 +2802,7 @@
           <a:p>
             <a:fld id="{9A27A8A0-7E57-4448-B01C-EFDBF93D0A36}" type="datetimeFigureOut">
               <a:rPr lang="en-US" smtClean="0"/>
-              <a:t>7/23/2018</a:t>
+              <a:t>10/2/2018</a:t>
             </a:fld>
             <a:endParaRPr lang="en-US"/>
           </a:p>
@@ -2864,7 +2864,7 @@
 </file>
 
 <file path=ppt/slideLayouts/slideLayout15.xml><?xml version="1.0" encoding="utf-8"?>
-<p:sldLayout xmlns:a="http://schemas.openxmlformats.org/drawingml/2006/main" xmlns:r="http://schemas.openxmlformats.org/officeDocument/2006/relationships" xmlns:p="http://schemas.openxmlformats.org/presentationml/2006/main" type="vertTx" preserve="1">
+<p:sldLayout xmlns:a="http://schemas.openxmlformats.org/drawingml/2006/main" xmlns:r="http://schemas.openxmlformats.org/officeDocument/2006/relationships" xmlns:p="http://schemas.openxmlformats.org/presentationml/2006/main" showMasterSp="0" type="vertTx" preserve="1">
   <p:cSld name="Title and Vertical Text">
     <p:spTree>
       <p:nvGrpSpPr>
@@ -2972,7 +2972,7 @@
           <a:p>
             <a:fld id="{9A27A8A0-7E57-4448-B01C-EFDBF93D0A36}" type="datetimeFigureOut">
               <a:rPr lang="en-US" smtClean="0"/>
-              <a:t>7/23/2018</a:t>
+              <a:t>10/2/2018</a:t>
             </a:fld>
             <a:endParaRPr lang="en-US"/>
           </a:p>
@@ -3034,7 +3034,7 @@
 </file>
 
 <file path=ppt/slideLayouts/slideLayout16.xml><?xml version="1.0" encoding="utf-8"?>
-<p:sldLayout xmlns:a="http://schemas.openxmlformats.org/drawingml/2006/main" xmlns:r="http://schemas.openxmlformats.org/officeDocument/2006/relationships" xmlns:p="http://schemas.openxmlformats.org/presentationml/2006/main" type="vertTitleAndTx" preserve="1">
+<p:sldLayout xmlns:a="http://schemas.openxmlformats.org/drawingml/2006/main" xmlns:r="http://schemas.openxmlformats.org/officeDocument/2006/relationships" xmlns:p="http://schemas.openxmlformats.org/presentationml/2006/main" showMasterSp="0" type="vertTitleAndTx" preserve="1">
   <p:cSld name="Vertical Title and Text">
     <p:spTree>
       <p:nvGrpSpPr>
@@ -3152,7 +3152,7 @@
           <a:p>
             <a:fld id="{9A27A8A0-7E57-4448-B01C-EFDBF93D0A36}" type="datetimeFigureOut">
               <a:rPr lang="en-US" smtClean="0"/>
-              <a:t>7/23/2018</a:t>
+              <a:t>10/2/2018</a:t>
             </a:fld>
             <a:endParaRPr lang="en-US"/>
           </a:p>
@@ -3214,7 +3214,7 @@
 </file>
 
 <file path=ppt/slideLayouts/slideLayout2.xml><?xml version="1.0" encoding="utf-8"?>
-<p:sldLayout xmlns:a="http://schemas.openxmlformats.org/drawingml/2006/main" xmlns:r="http://schemas.openxmlformats.org/officeDocument/2006/relationships" xmlns:p="http://schemas.openxmlformats.org/presentationml/2006/main" type="obj" preserve="1">
+<p:sldLayout xmlns:a="http://schemas.openxmlformats.org/drawingml/2006/main" xmlns:r="http://schemas.openxmlformats.org/officeDocument/2006/relationships" xmlns:p="http://schemas.openxmlformats.org/presentationml/2006/main" showMasterSp="0" type="obj" preserve="1">
   <p:cSld name="Title and Content">
     <p:spTree>
       <p:nvGrpSpPr>
@@ -3328,7 +3328,7 @@
           <a:p>
             <a:fld id="{9A27A8A0-7E57-4448-B01C-EFDBF93D0A36}" type="datetimeFigureOut">
               <a:rPr lang="en-US" smtClean="0"/>
-              <a:t>7/23/2018</a:t>
+              <a:t>10/2/2018</a:t>
             </a:fld>
             <a:endParaRPr lang="en-US"/>
           </a:p>
@@ -3390,7 +3390,7 @@
 </file>
 
 <file path=ppt/slideLayouts/slideLayout3.xml><?xml version="1.0" encoding="utf-8"?>
-<p:sldLayout xmlns:a="http://schemas.openxmlformats.org/drawingml/2006/main" xmlns:r="http://schemas.openxmlformats.org/officeDocument/2006/relationships" xmlns:p="http://schemas.openxmlformats.org/presentationml/2006/main" type="secHead" preserve="1">
+<p:sldLayout xmlns:a="http://schemas.openxmlformats.org/drawingml/2006/main" xmlns:r="http://schemas.openxmlformats.org/officeDocument/2006/relationships" xmlns:p="http://schemas.openxmlformats.org/presentationml/2006/main" showMasterSp="0" type="secHead" preserve="1">
   <p:cSld name="Section Header">
     <p:spTree>
       <p:nvGrpSpPr>
@@ -3575,7 +3575,7 @@
           <a:p>
             <a:fld id="{9A27A8A0-7E57-4448-B01C-EFDBF93D0A36}" type="datetimeFigureOut">
               <a:rPr lang="en-US" smtClean="0"/>
-              <a:t>7/23/2018</a:t>
+              <a:t>10/2/2018</a:t>
             </a:fld>
             <a:endParaRPr lang="en-US"/>
           </a:p>
@@ -3637,7 +3637,7 @@
 </file>
 
 <file path=ppt/slideLayouts/slideLayout4.xml><?xml version="1.0" encoding="utf-8"?>
-<p:sldLayout xmlns:a="http://schemas.openxmlformats.org/drawingml/2006/main" xmlns:r="http://schemas.openxmlformats.org/officeDocument/2006/relationships" xmlns:p="http://schemas.openxmlformats.org/presentationml/2006/main" type="twoObj" preserve="1">
+<p:sldLayout xmlns:a="http://schemas.openxmlformats.org/drawingml/2006/main" xmlns:r="http://schemas.openxmlformats.org/officeDocument/2006/relationships" xmlns:p="http://schemas.openxmlformats.org/presentationml/2006/main" showMasterSp="0" type="twoObj" preserve="1">
   <p:cSld name="Two Content">
     <p:spTree>
       <p:nvGrpSpPr>
@@ -3807,7 +3807,7 @@
           <a:p>
             <a:fld id="{9A27A8A0-7E57-4448-B01C-EFDBF93D0A36}" type="datetimeFigureOut">
               <a:rPr lang="en-US" smtClean="0"/>
-              <a:t>7/23/2018</a:t>
+              <a:t>10/2/2018</a:t>
             </a:fld>
             <a:endParaRPr lang="en-US"/>
           </a:p>
@@ -3869,7 +3869,7 @@
 </file>
 
 <file path=ppt/slideLayouts/slideLayout5.xml><?xml version="1.0" encoding="utf-8"?>
-<p:sldLayout xmlns:a="http://schemas.openxmlformats.org/drawingml/2006/main" xmlns:r="http://schemas.openxmlformats.org/officeDocument/2006/relationships" xmlns:p="http://schemas.openxmlformats.org/presentationml/2006/main" type="twoTxTwoObj" preserve="1">
+<p:sldLayout xmlns:a="http://schemas.openxmlformats.org/drawingml/2006/main" xmlns:r="http://schemas.openxmlformats.org/officeDocument/2006/relationships" xmlns:p="http://schemas.openxmlformats.org/presentationml/2006/main" showMasterSp="0" type="twoTxTwoObj" preserve="1">
   <p:cSld name="Comparison">
     <p:spTree>
       <p:nvGrpSpPr>
@@ -4181,7 +4181,7 @@
           <a:p>
             <a:fld id="{9A27A8A0-7E57-4448-B01C-EFDBF93D0A36}" type="datetimeFigureOut">
               <a:rPr lang="en-US" smtClean="0"/>
-              <a:t>7/23/2018</a:t>
+              <a:t>10/2/2018</a:t>
             </a:fld>
             <a:endParaRPr lang="en-US"/>
           </a:p>
@@ -4243,7 +4243,7 @@
 </file>
 
 <file path=ppt/slideLayouts/slideLayout6.xml><?xml version="1.0" encoding="utf-8"?>
-<p:sldLayout xmlns:a="http://schemas.openxmlformats.org/drawingml/2006/main" xmlns:r="http://schemas.openxmlformats.org/officeDocument/2006/relationships" xmlns:p="http://schemas.openxmlformats.org/presentationml/2006/main" type="titleOnly" preserve="1">
+<p:sldLayout xmlns:a="http://schemas.openxmlformats.org/drawingml/2006/main" xmlns:r="http://schemas.openxmlformats.org/officeDocument/2006/relationships" xmlns:p="http://schemas.openxmlformats.org/presentationml/2006/main" showMasterSp="0" type="titleOnly" preserve="1">
   <p:cSld name="Title Only">
     <p:spTree>
       <p:nvGrpSpPr>
@@ -4304,7 +4304,7 @@
           <a:p>
             <a:fld id="{9A27A8A0-7E57-4448-B01C-EFDBF93D0A36}" type="datetimeFigureOut">
               <a:rPr lang="en-US" smtClean="0"/>
-              <a:t>7/23/2018</a:t>
+              <a:t>10/2/2018</a:t>
             </a:fld>
             <a:endParaRPr lang="en-US"/>
           </a:p>
@@ -4366,7 +4366,7 @@
 </file>
 
 <file path=ppt/slideLayouts/slideLayout7.xml><?xml version="1.0" encoding="utf-8"?>
-<p:sldLayout xmlns:a="http://schemas.openxmlformats.org/drawingml/2006/main" xmlns:r="http://schemas.openxmlformats.org/officeDocument/2006/relationships" xmlns:p="http://schemas.openxmlformats.org/presentationml/2006/main" type="blank" preserve="1">
+<p:sldLayout xmlns:a="http://schemas.openxmlformats.org/drawingml/2006/main" xmlns:r="http://schemas.openxmlformats.org/officeDocument/2006/relationships" xmlns:p="http://schemas.openxmlformats.org/presentationml/2006/main" showMasterSp="0" type="blank" preserve="1">
   <p:cSld name="Blank">
     <p:spTree>
       <p:nvGrpSpPr>
@@ -4399,7 +4399,7 @@
           <a:p>
             <a:fld id="{9A27A8A0-7E57-4448-B01C-EFDBF93D0A36}" type="datetimeFigureOut">
               <a:rPr lang="en-US" smtClean="0"/>
-              <a:t>7/23/2018</a:t>
+              <a:t>10/2/2018</a:t>
             </a:fld>
             <a:endParaRPr lang="en-US"/>
           </a:p>
@@ -4461,7 +4461,7 @@
 </file>
 
 <file path=ppt/slideLayouts/slideLayout8.xml><?xml version="1.0" encoding="utf-8"?>
-<p:sldLayout xmlns:a="http://schemas.openxmlformats.org/drawingml/2006/main" xmlns:r="http://schemas.openxmlformats.org/officeDocument/2006/relationships" xmlns:p="http://schemas.openxmlformats.org/presentationml/2006/main" type="objTx" preserve="1">
+<p:sldLayout xmlns:a="http://schemas.openxmlformats.org/drawingml/2006/main" xmlns:r="http://schemas.openxmlformats.org/officeDocument/2006/relationships" xmlns:p="http://schemas.openxmlformats.org/presentationml/2006/main" showMasterSp="0" type="objTx" preserve="1">
   <p:cSld name="Content with Caption">
     <p:spTree>
       <p:nvGrpSpPr>
@@ -4654,7 +4654,7 @@
           <a:p>
             <a:fld id="{9A27A8A0-7E57-4448-B01C-EFDBF93D0A36}" type="datetimeFigureOut">
               <a:rPr lang="en-US" smtClean="0"/>
-              <a:t>7/23/2018</a:t>
+              <a:t>10/2/2018</a:t>
             </a:fld>
             <a:endParaRPr lang="en-US"/>
           </a:p>
@@ -4716,7 +4716,7 @@
 </file>
 
 <file path=ppt/slideLayouts/slideLayout9.xml><?xml version="1.0" encoding="utf-8"?>
-<p:sldLayout xmlns:a="http://schemas.openxmlformats.org/drawingml/2006/main" xmlns:r="http://schemas.openxmlformats.org/officeDocument/2006/relationships" xmlns:p="http://schemas.openxmlformats.org/presentationml/2006/main" type="picTx" preserve="1">
+<p:sldLayout xmlns:a="http://schemas.openxmlformats.org/drawingml/2006/main" xmlns:r="http://schemas.openxmlformats.org/officeDocument/2006/relationships" xmlns:p="http://schemas.openxmlformats.org/presentationml/2006/main" showMasterSp="0" type="picTx" preserve="1">
   <p:cSld name="Picture with Caption">
     <p:spTree>
       <p:nvGrpSpPr>
@@ -4917,7 +4917,7 @@
           <a:p>
             <a:fld id="{9A27A8A0-7E57-4448-B01C-EFDBF93D0A36}" type="datetimeFigureOut">
               <a:rPr lang="en-US" smtClean="0"/>
-              <a:t>7/23/2018</a:t>
+              <a:t>10/2/2018</a:t>
             </a:fld>
             <a:endParaRPr lang="en-US"/>
           </a:p>
@@ -4982,9 +4982,12 @@
 <p:sldMaster xmlns:a="http://schemas.openxmlformats.org/drawingml/2006/main" xmlns:r="http://schemas.openxmlformats.org/officeDocument/2006/relationships" xmlns:p="http://schemas.openxmlformats.org/presentationml/2006/main">
   <p:cSld>
     <p:bg>
-      <p:bgRef idx="1001">
-        <a:schemeClr val="bg2"/>
-      </p:bgRef>
+      <p:bgPr>
+        <a:solidFill>
+          <a:schemeClr val="bg1"/>
+        </a:solidFill>
+        <a:effectLst/>
+      </p:bgPr>
     </p:bg>
     <p:spTree>
       <p:nvGrpSpPr>
@@ -5662,7 +5665,7 @@
           <a:p>
             <a:fld id="{9A27A8A0-7E57-4448-B01C-EFDBF93D0A36}" type="datetimeFigureOut">
               <a:rPr lang="en-US" smtClean="0"/>
-              <a:t>7/23/2018</a:t>
+              <a:t>10/2/2018</a:t>
             </a:fld>
             <a:endParaRPr lang="en-US"/>
           </a:p>
@@ -6170,7 +6173,7 @@
 </file>
 
 <file path=ppt/slides/slide1.xml><?xml version="1.0" encoding="utf-8"?>
-<p:sld xmlns:a="http://schemas.openxmlformats.org/drawingml/2006/main" xmlns:r="http://schemas.openxmlformats.org/officeDocument/2006/relationships" xmlns:p="http://schemas.openxmlformats.org/presentationml/2006/main">
+<p:sld xmlns:a="http://schemas.openxmlformats.org/drawingml/2006/main" xmlns:r="http://schemas.openxmlformats.org/officeDocument/2006/relationships" xmlns:p="http://schemas.openxmlformats.org/presentationml/2006/main" showMasterSp="0">
   <p:cSld>
     <p:spTree>
       <p:nvGrpSpPr>
@@ -6207,11 +6210,7 @@
             </a:r>
             <a:r>
               <a:rPr lang="en-US" dirty="0" smtClean="0"/>
-              <a:t> </a:t>
-            </a:r>
-            <a:r>
-              <a:rPr lang="en-US" dirty="0" smtClean="0"/>
-              <a:t>Beta</a:t>
+              <a:t> Beta</a:t>
             </a:r>
             <a:endParaRPr lang="en-US" dirty="0"/>
           </a:p>
@@ -6293,7 +6292,7 @@
 </file>
 
 <file path=ppt/slides/slide10.xml><?xml version="1.0" encoding="utf-8"?>
-<p:sld xmlns:a="http://schemas.openxmlformats.org/drawingml/2006/main" xmlns:r="http://schemas.openxmlformats.org/officeDocument/2006/relationships" xmlns:p="http://schemas.openxmlformats.org/presentationml/2006/main">
+<p:sld xmlns:a="http://schemas.openxmlformats.org/drawingml/2006/main" xmlns:r="http://schemas.openxmlformats.org/officeDocument/2006/relationships" xmlns:p="http://schemas.openxmlformats.org/presentationml/2006/main" showMasterSp="0">
   <p:cSld>
     <p:spTree>
       <p:nvGrpSpPr>
@@ -6384,11 +6383,11 @@
               <a:t>NeuroDOT</a:t>
             </a:r>
             <a:r>
-              <a:rPr lang="en-US" sz="2000" smtClean="0"/>
+              <a:rPr lang="en-US" sz="2000" dirty="0" smtClean="0"/>
               <a:t> </a:t>
             </a:r>
             <a:r>
-              <a:rPr lang="en-US" sz="2000"/>
+              <a:rPr lang="en-US" sz="2000" dirty="0"/>
               <a:t>Beta </a:t>
             </a:r>
             <a:r>
@@ -6416,6 +6415,30 @@
               <a:rPr lang="en-US" sz="1600" dirty="0" smtClean="0"/>
               <a:t>)</a:t>
             </a:r>
+          </a:p>
+          <a:p>
+            <a:pPr lvl="1"/>
+            <a:r>
+              <a:rPr lang="en-US" dirty="0" smtClean="0"/>
+              <a:t>Jason Trobaugh (</a:t>
+            </a:r>
+            <a:r>
+              <a:rPr lang="en-US" dirty="0" smtClean="0">
+                <a:hlinkClick r:id="rId3"/>
+              </a:rPr>
+              <a:t>jasont@wustl.edu</a:t>
+            </a:r>
+            <a:r>
+              <a:rPr lang="en-US" dirty="0" smtClean="0"/>
+              <a:t>) </a:t>
+            </a:r>
+            <a:endParaRPr lang="en-US" dirty="0"/>
+          </a:p>
+          <a:p>
+            <a:pPr marL="457200" lvl="1" indent="0">
+              <a:buNone/>
+            </a:pPr>
+            <a:endParaRPr lang="en-US" sz="1600" dirty="0" smtClean="0"/>
           </a:p>
         </p:txBody>
       </p:sp>
@@ -6440,7 +6463,7 @@
 </file>
 
 <file path=ppt/slides/slide2.xml><?xml version="1.0" encoding="utf-8"?>
-<p:sld xmlns:a="http://schemas.openxmlformats.org/drawingml/2006/main" xmlns:r="http://schemas.openxmlformats.org/officeDocument/2006/relationships" xmlns:p="http://schemas.openxmlformats.org/presentationml/2006/main">
+<p:sld xmlns:a="http://schemas.openxmlformats.org/drawingml/2006/main" xmlns:r="http://schemas.openxmlformats.org/officeDocument/2006/relationships" xmlns:p="http://schemas.openxmlformats.org/presentationml/2006/main" showMasterSp="0">
   <p:cSld>
     <p:spTree>
       <p:nvGrpSpPr>
@@ -6509,15 +6532,7 @@
             </a:r>
             <a:r>
               <a:rPr lang="en-US" dirty="0" smtClean="0"/>
-              <a:t> </a:t>
-            </a:r>
-            <a:r>
-              <a:rPr lang="en-US" dirty="0" smtClean="0"/>
-              <a:t>Beta Edition</a:t>
-            </a:r>
-            <a:r>
-              <a:rPr lang="en-US" dirty="0" smtClean="0"/>
-              <a:t>.</a:t>
+              <a:t> Beta Edition.</a:t>
             </a:r>
           </a:p>
           <a:p>
@@ -6574,7 +6589,7 @@
 </file>
 
 <file path=ppt/slides/slide3.xml><?xml version="1.0" encoding="utf-8"?>
-<p:sld xmlns:a="http://schemas.openxmlformats.org/drawingml/2006/main" xmlns:r="http://schemas.openxmlformats.org/officeDocument/2006/relationships" xmlns:p="http://schemas.openxmlformats.org/presentationml/2006/main">
+<p:sld xmlns:a="http://schemas.openxmlformats.org/drawingml/2006/main" xmlns:r="http://schemas.openxmlformats.org/officeDocument/2006/relationships" xmlns:p="http://schemas.openxmlformats.org/presentationml/2006/main" showMasterSp="0">
   <p:cSld>
     <p:spTree>
       <p:nvGrpSpPr>
@@ -6747,7 +6762,7 @@
 </file>
 
 <file path=ppt/slides/slide4.xml><?xml version="1.0" encoding="utf-8"?>
-<p:sld xmlns:a="http://schemas.openxmlformats.org/drawingml/2006/main" xmlns:r="http://schemas.openxmlformats.org/officeDocument/2006/relationships" xmlns:p="http://schemas.openxmlformats.org/presentationml/2006/main">
+<p:sld xmlns:a="http://schemas.openxmlformats.org/drawingml/2006/main" xmlns:r="http://schemas.openxmlformats.org/officeDocument/2006/relationships" xmlns:p="http://schemas.openxmlformats.org/presentationml/2006/main" showMasterSp="0">
   <p:cSld>
     <p:spTree>
       <p:nvGrpSpPr>
@@ -6982,7 +6997,7 @@
 </file>
 
 <file path=ppt/slides/slide5.xml><?xml version="1.0" encoding="utf-8"?>
-<p:sld xmlns:a="http://schemas.openxmlformats.org/drawingml/2006/main" xmlns:r="http://schemas.openxmlformats.org/officeDocument/2006/relationships" xmlns:p="http://schemas.openxmlformats.org/presentationml/2006/main">
+<p:sld xmlns:a="http://schemas.openxmlformats.org/drawingml/2006/main" xmlns:r="http://schemas.openxmlformats.org/officeDocument/2006/relationships" xmlns:p="http://schemas.openxmlformats.org/presentationml/2006/main" showMasterSp="0">
   <p:cSld>
     <p:spTree>
       <p:nvGrpSpPr>
@@ -7155,7 +7170,7 @@
 </file>
 
 <file path=ppt/slides/slide6.xml><?xml version="1.0" encoding="utf-8"?>
-<p:sld xmlns:a="http://schemas.openxmlformats.org/drawingml/2006/main" xmlns:r="http://schemas.openxmlformats.org/officeDocument/2006/relationships" xmlns:p="http://schemas.openxmlformats.org/presentationml/2006/main">
+<p:sld xmlns:a="http://schemas.openxmlformats.org/drawingml/2006/main" xmlns:r="http://schemas.openxmlformats.org/officeDocument/2006/relationships" xmlns:p="http://schemas.openxmlformats.org/presentationml/2006/main" showMasterSp="0">
   <p:cSld>
     <p:spTree>
       <p:nvGrpSpPr>
@@ -7209,7 +7224,12 @@
             <p:ph idx="1"/>
           </p:nvPr>
         </p:nvSpPr>
-        <p:spPr/>
+        <p:spPr>
+          <a:xfrm>
+            <a:off x="687063" y="960877"/>
+            <a:ext cx="10616477" cy="5157821"/>
+          </a:xfrm>
+        </p:spPr>
         <p:txBody>
           <a:bodyPr numCol="1">
             <a:noAutofit/>
@@ -7222,7 +7242,15 @@
                   <a:schemeClr val="tx1"/>
                 </a:solidFill>
               </a:rPr>
-              <a:t>Manuals and Tutorials - These will introduce you to the basics of the toolbox and core concepts in DOT imaging.</a:t>
+              <a:t>These </a:t>
+            </a:r>
+            <a:r>
+              <a:rPr lang="en-US" sz="2000" dirty="0" smtClean="0">
+                <a:solidFill>
+                  <a:schemeClr val="tx1"/>
+                </a:solidFill>
+              </a:rPr>
+              <a:t>will introduce you to the basics of the toolbox and core concepts in DOT imaging.</a:t>
             </a:r>
           </a:p>
           <a:p>
@@ -7242,10 +7270,6 @@
                 </a:solidFill>
               </a:rPr>
               <a:t> </a:t>
-            </a:r>
-            <a:r>
-              <a:rPr lang="en-US" sz="1800" dirty="0"/>
-              <a:t>Beta </a:t>
             </a:r>
             <a:r>
               <a:rPr lang="en-US" sz="1800" dirty="0" smtClean="0">
@@ -7299,10 +7323,6 @@
               <a:t> </a:t>
             </a:r>
             <a:r>
-              <a:rPr lang="en-US" sz="1800" dirty="0"/>
-              <a:t>Beta </a:t>
-            </a:r>
-            <a:r>
               <a:rPr lang="en-US" sz="1800" dirty="0" smtClean="0">
                 <a:solidFill>
                   <a:schemeClr val="tx1"/>
@@ -7349,10 +7369,6 @@
               <a:t> </a:t>
             </a:r>
             <a:r>
-              <a:rPr lang="en-US" sz="1800" dirty="0"/>
-              <a:t>Beta </a:t>
-            </a:r>
-            <a:r>
               <a:rPr lang="en-US" sz="1800" dirty="0" smtClean="0">
                 <a:solidFill>
                   <a:schemeClr val="tx1"/>
@@ -7377,8 +7393,62 @@
                   <a:schemeClr val="tx1"/>
                 </a:solidFill>
               </a:rPr>
-              <a:t>Takes the user step-by-step through the entire DOT processing pipeline.</a:t>
-            </a:r>
+              <a:t>Takes the user step-by-step through the entire DOT processing pipeline</a:t>
+            </a:r>
+            <a:r>
+              <a:rPr lang="en-US" sz="1600" dirty="0" smtClean="0">
+                <a:solidFill>
+                  <a:schemeClr val="tx1"/>
+                </a:solidFill>
+              </a:rPr>
+              <a:t>.</a:t>
+            </a:r>
+          </a:p>
+          <a:p>
+            <a:pPr lvl="1"/>
+            <a:r>
+              <a:rPr lang="en-US" sz="1800" dirty="0" err="1" smtClean="0">
+                <a:solidFill>
+                  <a:schemeClr val="tx1"/>
+                </a:solidFill>
+              </a:rPr>
+              <a:t>NeuroDOT</a:t>
+            </a:r>
+            <a:r>
+              <a:rPr lang="en-US" sz="1800" dirty="0" smtClean="0">
+                <a:solidFill>
+                  <a:schemeClr val="tx1"/>
+                </a:solidFill>
+              </a:rPr>
+              <a:t> Tutorials for generating a light model</a:t>
+            </a:r>
+          </a:p>
+          <a:p>
+            <a:pPr lvl="2"/>
+            <a:r>
+              <a:rPr lang="en-US" sz="1600" dirty="0" smtClean="0">
+                <a:solidFill>
+                  <a:schemeClr val="tx1"/>
+                </a:solidFill>
+              </a:rPr>
+              <a:t>These tutorials walk the user step-by-step through the processes required to create a light model.</a:t>
+            </a:r>
+          </a:p>
+          <a:p>
+            <a:pPr lvl="2"/>
+            <a:r>
+              <a:rPr lang="en-US" sz="1600" dirty="0" smtClean="0">
+                <a:solidFill>
+                  <a:schemeClr val="tx1"/>
+                </a:solidFill>
+              </a:rPr>
+              <a:t>Successful completion of these will unlock the ability to fully process the Sample Data distributed with the toolbox.</a:t>
+            </a:r>
+            <a:endParaRPr lang="en-US" sz="1600" dirty="0" smtClean="0">
+              <a:solidFill>
+                <a:schemeClr val="tx1"/>
+              </a:solidFill>
+            </a:endParaRPr>
           </a:p>
         </p:txBody>
       </p:sp>
@@ -7403,7 +7473,7 @@
 </file>
 
 <file path=ppt/slides/slide7.xml><?xml version="1.0" encoding="utf-8"?>
-<p:sld xmlns:a="http://schemas.openxmlformats.org/drawingml/2006/main" xmlns:r="http://schemas.openxmlformats.org/officeDocument/2006/relationships" xmlns:p="http://schemas.openxmlformats.org/presentationml/2006/main">
+<p:sld xmlns:a="http://schemas.openxmlformats.org/drawingml/2006/main" xmlns:r="http://schemas.openxmlformats.org/officeDocument/2006/relationships" xmlns:p="http://schemas.openxmlformats.org/presentationml/2006/main" showMasterSp="0">
   <p:cSld>
     <p:spTree>
       <p:nvGrpSpPr>
@@ -7457,7 +7527,12 @@
             <p:ph idx="1"/>
           </p:nvPr>
         </p:nvSpPr>
-        <p:spPr/>
+        <p:spPr>
+          <a:xfrm>
+            <a:off x="842705" y="1518564"/>
+            <a:ext cx="8596668" cy="5076789"/>
+          </a:xfrm>
+        </p:spPr>
         <p:txBody>
           <a:bodyPr numCol="1">
             <a:noAutofit/>
@@ -7501,15 +7576,7 @@
                   <a:schemeClr val="tx1"/>
                 </a:solidFill>
               </a:rPr>
-              <a:t>Appendix </a:t>
-            </a:r>
-            <a:r>
-              <a:rPr lang="en-US" sz="1800" dirty="0" smtClean="0">
-                <a:solidFill>
-                  <a:schemeClr val="tx1"/>
-                </a:solidFill>
-              </a:rPr>
-              <a:t>- Atlases</a:t>
+              <a:t>Appendix - Atlases</a:t>
             </a:r>
           </a:p>
           <a:p>
@@ -7551,15 +7618,7 @@
                   <a:schemeClr val="tx1"/>
                 </a:solidFill>
               </a:rPr>
-              <a:t>Appendix </a:t>
-            </a:r>
-            <a:r>
-              <a:rPr lang="en-US" sz="1800" dirty="0" smtClean="0">
-                <a:solidFill>
-                  <a:schemeClr val="tx1"/>
-                </a:solidFill>
-              </a:rPr>
-              <a:t>- File IO</a:t>
+              <a:t>Appendix - File IO</a:t>
             </a:r>
           </a:p>
           <a:p>
@@ -7617,15 +7676,7 @@
                   <a:schemeClr val="tx1"/>
                 </a:solidFill>
               </a:rPr>
-              <a:t>Appendix </a:t>
-            </a:r>
-            <a:r>
-              <a:rPr lang="en-US" sz="1800" dirty="0" smtClean="0">
-                <a:solidFill>
-                  <a:schemeClr val="tx1"/>
-                </a:solidFill>
-              </a:rPr>
-              <a:t>- Pipeline Diagrams</a:t>
+              <a:t>Appendix - Pipeline Diagrams</a:t>
             </a:r>
           </a:p>
           <a:p>
@@ -7670,12 +7721,12 @@
               <a:t> </a:t>
             </a:r>
             <a:r>
-              <a:rPr lang="en-US" sz="1800" dirty="0">
-                <a:solidFill>
-                  <a:schemeClr val="tx1"/>
-                </a:solidFill>
-              </a:rPr>
-              <a:t>Base Appendix </a:t>
+              <a:rPr lang="en-US" sz="1800" dirty="0" smtClean="0">
+                <a:solidFill>
+                  <a:schemeClr val="tx1"/>
+                </a:solidFill>
+              </a:rPr>
+              <a:t>Appendix </a:t>
             </a:r>
             <a:r>
               <a:rPr lang="en-US" sz="1800" dirty="0" smtClean="0">
@@ -7720,7 +7771,7 @@
 </file>
 
 <file path=ppt/slides/slide8.xml><?xml version="1.0" encoding="utf-8"?>
-<p:sld xmlns:a="http://schemas.openxmlformats.org/drawingml/2006/main" xmlns:r="http://schemas.openxmlformats.org/officeDocument/2006/relationships" xmlns:p="http://schemas.openxmlformats.org/presentationml/2006/main">
+<p:sld xmlns:a="http://schemas.openxmlformats.org/drawingml/2006/main" xmlns:r="http://schemas.openxmlformats.org/officeDocument/2006/relationships" xmlns:p="http://schemas.openxmlformats.org/presentationml/2006/main" showMasterSp="0">
   <p:cSld>
     <p:spTree>
       <p:nvGrpSpPr>
@@ -7774,7 +7825,12 @@
             <p:ph idx="1"/>
           </p:nvPr>
         </p:nvSpPr>
-        <p:spPr/>
+        <p:spPr>
+          <a:xfrm>
+            <a:off x="677334" y="2160589"/>
+            <a:ext cx="10285738" cy="3880773"/>
+          </a:xfrm>
+        </p:spPr>
         <p:txBody>
           <a:bodyPr numCol="1">
             <a:noAutofit/>
@@ -7787,7 +7843,78 @@
                   <a:schemeClr val="tx1"/>
                 </a:solidFill>
               </a:rPr>
-              <a:t>Sample Results Appendices - These provide visualizations for new users who have completed the Preprocessing Pipeline tutorial to be able to compare their own results on the other samples provided with the toolbox.</a:t>
+              <a:t>Sample Results Appendices - These provide visualizations for new users who have completed the </a:t>
+            </a:r>
+            <a:r>
+              <a:rPr lang="en-US" sz="2000" dirty="0" smtClean="0">
+                <a:solidFill>
+                  <a:schemeClr val="tx1"/>
+                </a:solidFill>
+              </a:rPr>
+              <a:t>Processing </a:t>
+            </a:r>
+            <a:r>
+              <a:rPr lang="en-US" sz="2000" dirty="0" smtClean="0">
+                <a:solidFill>
+                  <a:schemeClr val="tx1"/>
+                </a:solidFill>
+              </a:rPr>
+              <a:t>Pipeline tutorial to be able to compare their own results on the other samples provided with the toolbox.</a:t>
+            </a:r>
+          </a:p>
+          <a:p>
+            <a:pPr lvl="1"/>
+            <a:r>
+              <a:rPr lang="en-US" sz="1800" dirty="0" err="1" smtClean="0">
+                <a:solidFill>
+                  <a:schemeClr val="tx1"/>
+                </a:solidFill>
+              </a:rPr>
+              <a:t>NeuroDOT</a:t>
+            </a:r>
+            <a:r>
+              <a:rPr lang="en-US" sz="1800" dirty="0" smtClean="0">
+                <a:solidFill>
+                  <a:schemeClr val="tx1"/>
+                </a:solidFill>
+              </a:rPr>
+              <a:t> </a:t>
+            </a:r>
+            <a:r>
+              <a:rPr lang="en-US" sz="1800" dirty="0" smtClean="0"/>
+              <a:t>Beta</a:t>
+            </a:r>
+            <a:r>
+              <a:rPr lang="en-US" sz="1800" dirty="0" smtClean="0">
+                <a:solidFill>
+                  <a:schemeClr val="tx1"/>
+                </a:solidFill>
+              </a:rPr>
+              <a:t> Appendix </a:t>
+            </a:r>
+            <a:r>
+              <a:rPr lang="en-US" sz="1800" dirty="0" smtClean="0">
+                <a:solidFill>
+                  <a:schemeClr val="tx1"/>
+                </a:solidFill>
+              </a:rPr>
+              <a:t>- </a:t>
+            </a:r>
+            <a:r>
+              <a:rPr lang="en-US" sz="1800" dirty="0" smtClean="0">
+                <a:solidFill>
+                  <a:schemeClr val="tx1"/>
+                </a:solidFill>
+              </a:rPr>
+              <a:t>CCW </a:t>
+            </a:r>
+            <a:r>
+              <a:rPr lang="en-US" sz="1800" dirty="0" smtClean="0">
+                <a:solidFill>
+                  <a:schemeClr val="tx1"/>
+                </a:solidFill>
+              </a:rPr>
+              <a:t>Sample Results</a:t>
             </a:r>
           </a:p>
           <a:p>
@@ -7826,7 +7953,31 @@
                   <a:schemeClr val="tx1"/>
                 </a:solidFill>
               </a:rPr>
-              <a:t>Base Appendix - AC Sample Results</a:t>
+              <a:t>Appendix </a:t>
+            </a:r>
+            <a:r>
+              <a:rPr lang="en-US" sz="1800" dirty="0" smtClean="0">
+                <a:solidFill>
+                  <a:schemeClr val="tx1"/>
+                </a:solidFill>
+              </a:rPr>
+              <a:t>- </a:t>
+            </a:r>
+            <a:r>
+              <a:rPr lang="en-US" sz="1800" dirty="0" smtClean="0">
+                <a:solidFill>
+                  <a:schemeClr val="tx1"/>
+                </a:solidFill>
+              </a:rPr>
+              <a:t>CW </a:t>
+            </a:r>
+            <a:r>
+              <a:rPr lang="en-US" sz="1800" dirty="0" smtClean="0">
+                <a:solidFill>
+                  <a:schemeClr val="tx1"/>
+                </a:solidFill>
+              </a:rPr>
+              <a:t>Sample Results</a:t>
             </a:r>
           </a:p>
           <a:p>
@@ -7865,8 +8016,29 @@
                   <a:schemeClr val="tx1"/>
                 </a:solidFill>
               </a:rPr>
-              <a:t>Base Appendix - GV Sample Results</a:t>
-            </a:r>
+              <a:t>Appendix </a:t>
+            </a:r>
+            <a:r>
+              <a:rPr lang="en-US" sz="1800" dirty="0" smtClean="0">
+                <a:solidFill>
+                  <a:schemeClr val="tx1"/>
+                </a:solidFill>
+              </a:rPr>
+              <a:t>- HW Sample </a:t>
+            </a:r>
+            <a:r>
+              <a:rPr lang="en-US" sz="1800" dirty="0" smtClean="0">
+                <a:solidFill>
+                  <a:schemeClr val="tx1"/>
+                </a:solidFill>
+              </a:rPr>
+              <a:t>Results</a:t>
+            </a:r>
+            <a:endParaRPr lang="en-US" sz="1800" dirty="0" smtClean="0">
+              <a:solidFill>
+                <a:schemeClr val="tx1"/>
+              </a:solidFill>
+            </a:endParaRPr>
           </a:p>
           <a:p>
             <a:pPr lvl="1"/>
@@ -7904,7 +8076,15 @@
                   <a:schemeClr val="tx1"/>
                 </a:solidFill>
               </a:rPr>
-              <a:t>Base Appendix - HW Sample 2 Results</a:t>
+              <a:t>Appendix </a:t>
+            </a:r>
+            <a:r>
+              <a:rPr lang="en-US" sz="1800" dirty="0" smtClean="0">
+                <a:solidFill>
+                  <a:schemeClr val="tx1"/>
+                </a:solidFill>
+              </a:rPr>
+              <a:t>- HW Sample Noisy Results</a:t>
             </a:r>
           </a:p>
           <a:p>
@@ -7943,18 +8123,7 @@
                   <a:schemeClr val="tx1"/>
                 </a:solidFill>
               </a:rPr>
-              <a:t>Base Appendix - HW Sample Noisy Results</a:t>
-            </a:r>
-          </a:p>
-          <a:p>
-            <a:pPr lvl="1"/>
-            <a:r>
-              <a:rPr lang="en-US" sz="1800" dirty="0" err="1" smtClean="0">
-                <a:solidFill>
-                  <a:schemeClr val="tx1"/>
-                </a:solidFill>
-              </a:rPr>
-              <a:t>NeuroDOT</a:t>
+              <a:t>Appendix </a:t>
             </a:r>
             <a:r>
               <a:rPr lang="en-US" sz="1800" dirty="0" smtClean="0">
@@ -7962,11 +8131,7 @@
                   <a:schemeClr val="tx1"/>
                 </a:solidFill>
               </a:rPr>
-              <a:t> </a:t>
-            </a:r>
-            <a:r>
-              <a:rPr lang="en-US" sz="1800" dirty="0"/>
-              <a:t>Beta</a:t>
+              <a:t>- </a:t>
             </a:r>
             <a:r>
               <a:rPr lang="en-US" sz="1800" dirty="0" smtClean="0">
@@ -7974,7 +8139,7 @@
                   <a:schemeClr val="tx1"/>
                 </a:solidFill>
               </a:rPr>
-              <a:t> </a:t>
+              <a:t>GV </a:t>
             </a:r>
             <a:r>
               <a:rPr lang="en-US" sz="1800" dirty="0" smtClean="0">
@@ -7982,7 +8147,7 @@
                   <a:schemeClr val="tx1"/>
                 </a:solidFill>
               </a:rPr>
-              <a:t>Base Appendix - RW Sample Results</a:t>
+              <a:t>Sample Results</a:t>
             </a:r>
           </a:p>
         </p:txBody>
@@ -8008,7 +8173,7 @@
 </file>
 
 <file path=ppt/slides/slide9.xml><?xml version="1.0" encoding="utf-8"?>
-<p:sld xmlns:a="http://schemas.openxmlformats.org/drawingml/2006/main" xmlns:r="http://schemas.openxmlformats.org/officeDocument/2006/relationships" xmlns:p="http://schemas.openxmlformats.org/presentationml/2006/main">
+<p:sld xmlns:a="http://schemas.openxmlformats.org/drawingml/2006/main" xmlns:r="http://schemas.openxmlformats.org/officeDocument/2006/relationships" xmlns:p="http://schemas.openxmlformats.org/presentationml/2006/main" showMasterSp="0">
   <p:cSld>
     <p:spTree>
       <p:nvGrpSpPr>
@@ -8062,7 +8227,12 @@
             <p:ph idx="1"/>
           </p:nvPr>
         </p:nvSpPr>
-        <p:spPr/>
+        <p:spPr>
+          <a:xfrm>
+            <a:off x="910798" y="1320800"/>
+            <a:ext cx="8596668" cy="5070272"/>
+          </a:xfrm>
+        </p:spPr>
         <p:txBody>
           <a:bodyPr numCol="1">
             <a:noAutofit/>
@@ -8070,7 +8240,7 @@
           <a:lstStyle/>
           <a:p>
             <a:r>
-              <a:rPr lang="en-US" sz="2000" smtClean="0">
+              <a:rPr lang="en-US" sz="2000" dirty="0" smtClean="0">
                 <a:solidFill>
                   <a:schemeClr val="tx1"/>
                 </a:solidFill>
@@ -8081,7 +8251,7 @@
           <a:p>
             <a:pPr lvl="1"/>
             <a:r>
-              <a:rPr lang="en-US" sz="1800" smtClean="0">
+              <a:rPr lang="en-US" sz="1800" dirty="0" smtClean="0">
                 <a:solidFill>
                   <a:schemeClr val="tx1"/>
                 </a:solidFill>
@@ -8092,7 +8262,7 @@
           <a:p>
             <a:pPr lvl="2"/>
             <a:r>
-              <a:rPr lang="en-US" sz="1600" smtClean="0">
+              <a:rPr lang="en-US" sz="1600" dirty="0" smtClean="0">
                 <a:solidFill>
                   <a:schemeClr val="tx1"/>
                 </a:solidFill>
@@ -8100,7 +8270,7 @@
               <a:t>These are contained in each function, and can be called from the command line with </a:t>
             </a:r>
             <a:r>
-              <a:rPr lang="en-US" sz="1600">
+              <a:rPr lang="en-US" sz="1600" dirty="0">
                 <a:solidFill>
                   <a:srgbClr val="00B0F0"/>
                 </a:solidFill>
@@ -8108,7 +8278,7 @@
               <a:t>help </a:t>
             </a:r>
             <a:r>
-              <a:rPr lang="en-US" sz="1600" i="1" smtClean="0">
+              <a:rPr lang="en-US" sz="1600" i="1" dirty="0" err="1" smtClean="0">
                 <a:solidFill>
                   <a:srgbClr val="00B0F0"/>
                 </a:solidFill>
@@ -8116,7 +8286,7 @@
               <a:t>function_name</a:t>
             </a:r>
             <a:r>
-              <a:rPr lang="en-US" sz="1600" smtClean="0">
+              <a:rPr lang="en-US" sz="1600" dirty="0" smtClean="0">
                 <a:solidFill>
                   <a:schemeClr val="tx1"/>
                 </a:solidFill>
@@ -8127,7 +8297,7 @@
           <a:p>
             <a:pPr lvl="1"/>
             <a:r>
-              <a:rPr lang="en-US" sz="1800" smtClean="0">
+              <a:rPr lang="en-US" sz="1800" dirty="0" smtClean="0">
                 <a:solidFill>
                   <a:schemeClr val="tx1"/>
                 </a:solidFill>
@@ -8138,18 +8308,34 @@
           <a:p>
             <a:pPr lvl="2"/>
             <a:r>
-              <a:rPr lang="en-US" sz="1600" smtClean="0">
-                <a:solidFill>
-                  <a:schemeClr val="tx1"/>
-                </a:solidFill>
-              </a:rPr>
-              <a:t>This is a plug-in to the MATLAB Help Viewer that becomes accessible as soon as the NeuroDOT 2 directory is added to the MATLAB search path.</a:t>
+              <a:rPr lang="en-US" sz="1600" dirty="0" smtClean="0">
+                <a:solidFill>
+                  <a:schemeClr val="tx1"/>
+                </a:solidFill>
+              </a:rPr>
+              <a:t>This is a plug-in to the MATLAB Help Viewer that becomes accessible as soon as the </a:t>
+            </a:r>
+            <a:r>
+              <a:rPr lang="en-US" sz="1600" dirty="0" err="1" smtClean="0">
+                <a:solidFill>
+                  <a:schemeClr val="tx1"/>
+                </a:solidFill>
+              </a:rPr>
+              <a:t>NeuroDOT</a:t>
+            </a:r>
+            <a:r>
+              <a:rPr lang="en-US" sz="1600" dirty="0" smtClean="0">
+                <a:solidFill>
+                  <a:schemeClr val="tx1"/>
+                </a:solidFill>
+              </a:rPr>
+              <a:t> 2 directory is added to the MATLAB search path.</a:t>
             </a:r>
           </a:p>
           <a:p>
             <a:pPr lvl="1"/>
             <a:r>
-              <a:rPr lang="en-US" sz="1800" smtClean="0">
+              <a:rPr lang="en-US" sz="1800" dirty="0" smtClean="0">
                 <a:solidFill>
                   <a:schemeClr val="tx1"/>
                 </a:solidFill>
@@ -8160,7 +8346,7 @@
           <a:p>
             <a:pPr lvl="2"/>
             <a:r>
-              <a:rPr lang="en-US" sz="1600" smtClean="0">
+              <a:rPr lang="en-US" sz="1600" dirty="0" smtClean="0">
                 <a:solidFill>
                   <a:schemeClr val="tx1"/>
                 </a:solidFill>
@@ -8171,7 +8357,7 @@
           <a:p>
             <a:pPr lvl="1"/>
             <a:r>
-              <a:rPr lang="en-US" sz="1800" smtClean="0">
+              <a:rPr lang="en-US" sz="1800" dirty="0" smtClean="0">
                 <a:solidFill>
                   <a:schemeClr val="tx1"/>
                 </a:solidFill>
@@ -8182,7 +8368,7 @@
           <a:p>
             <a:pPr lvl="2"/>
             <a:r>
-              <a:rPr lang="en-US" sz="1600" smtClean="0">
+              <a:rPr lang="en-US" sz="1600" dirty="0" smtClean="0">
                 <a:solidFill>
                   <a:schemeClr val="tx1"/>
                 </a:solidFill>
